--- a/PPT/Unit 1/Unit I - Lecture 3.pptx
+++ b/PPT/Unit 1/Unit I - Lecture 3.pptx
@@ -234,7 +234,7 @@
           <a:p>
             <a:fld id="{718FAF47-C2F2-4BF4-85D5-DF1EDC14F1CB}" type="datetimeFigureOut">
               <a:rPr lang="en-IN" smtClean="0"/>
-              <a:t>05-08-2024</a:t>
+              <a:t>30-07-2024</a:t>
             </a:fld>
             <a:endParaRPr lang="en-IN"/>
           </a:p>
@@ -2206,7 +2206,7 @@
           <a:p>
             <a:fld id="{F8F0C872-22D6-426F-ABD9-855B6C52C387}" type="datetimeFigureOut">
               <a:rPr lang="en-IN" smtClean="0"/>
-              <a:t>05-08-2024</a:t>
+              <a:t>30-07-2024</a:t>
             </a:fld>
             <a:endParaRPr lang="en-IN"/>
           </a:p>
@@ -2406,7 +2406,7 @@
           <a:p>
             <a:fld id="{F8F0C872-22D6-426F-ABD9-855B6C52C387}" type="datetimeFigureOut">
               <a:rPr lang="en-IN" smtClean="0"/>
-              <a:t>05-08-2024</a:t>
+              <a:t>30-07-2024</a:t>
             </a:fld>
             <a:endParaRPr lang="en-IN"/>
           </a:p>
@@ -2616,7 +2616,7 @@
           <a:p>
             <a:fld id="{F8F0C872-22D6-426F-ABD9-855B6C52C387}" type="datetimeFigureOut">
               <a:rPr lang="en-IN" smtClean="0"/>
-              <a:t>05-08-2024</a:t>
+              <a:t>30-07-2024</a:t>
             </a:fld>
             <a:endParaRPr lang="en-IN"/>
           </a:p>
@@ -2816,7 +2816,7 @@
           <a:p>
             <a:fld id="{F8F0C872-22D6-426F-ABD9-855B6C52C387}" type="datetimeFigureOut">
               <a:rPr lang="en-IN" smtClean="0"/>
-              <a:t>05-08-2024</a:t>
+              <a:t>30-07-2024</a:t>
             </a:fld>
             <a:endParaRPr lang="en-IN"/>
           </a:p>
@@ -3092,7 +3092,7 @@
           <a:p>
             <a:fld id="{F8F0C872-22D6-426F-ABD9-855B6C52C387}" type="datetimeFigureOut">
               <a:rPr lang="en-IN" smtClean="0"/>
-              <a:t>05-08-2024</a:t>
+              <a:t>30-07-2024</a:t>
             </a:fld>
             <a:endParaRPr lang="en-IN"/>
           </a:p>
@@ -3360,7 +3360,7 @@
           <a:p>
             <a:fld id="{F8F0C872-22D6-426F-ABD9-855B6C52C387}" type="datetimeFigureOut">
               <a:rPr lang="en-IN" smtClean="0"/>
-              <a:t>05-08-2024</a:t>
+              <a:t>30-07-2024</a:t>
             </a:fld>
             <a:endParaRPr lang="en-IN"/>
           </a:p>
@@ -3775,7 +3775,7 @@
           <a:p>
             <a:fld id="{F8F0C872-22D6-426F-ABD9-855B6C52C387}" type="datetimeFigureOut">
               <a:rPr lang="en-IN" smtClean="0"/>
-              <a:t>05-08-2024</a:t>
+              <a:t>30-07-2024</a:t>
             </a:fld>
             <a:endParaRPr lang="en-IN"/>
           </a:p>
@@ -3917,7 +3917,7 @@
           <a:p>
             <a:fld id="{F8F0C872-22D6-426F-ABD9-855B6C52C387}" type="datetimeFigureOut">
               <a:rPr lang="en-IN" smtClean="0"/>
-              <a:t>05-08-2024</a:t>
+              <a:t>30-07-2024</a:t>
             </a:fld>
             <a:endParaRPr lang="en-IN"/>
           </a:p>
@@ -4030,7 +4030,7 @@
           <a:p>
             <a:fld id="{F8F0C872-22D6-426F-ABD9-855B6C52C387}" type="datetimeFigureOut">
               <a:rPr lang="en-IN" smtClean="0"/>
-              <a:t>05-08-2024</a:t>
+              <a:t>30-07-2024</a:t>
             </a:fld>
             <a:endParaRPr lang="en-IN"/>
           </a:p>
@@ -4343,7 +4343,7 @@
           <a:p>
             <a:fld id="{F8F0C872-22D6-426F-ABD9-855B6C52C387}" type="datetimeFigureOut">
               <a:rPr lang="en-IN" smtClean="0"/>
-              <a:t>05-08-2024</a:t>
+              <a:t>30-07-2024</a:t>
             </a:fld>
             <a:endParaRPr lang="en-IN"/>
           </a:p>
@@ -4632,7 +4632,7 @@
           <a:p>
             <a:fld id="{F8F0C872-22D6-426F-ABD9-855B6C52C387}" type="datetimeFigureOut">
               <a:rPr lang="en-IN" smtClean="0"/>
-              <a:t>05-08-2024</a:t>
+              <a:t>30-07-2024</a:t>
             </a:fld>
             <a:endParaRPr lang="en-IN"/>
           </a:p>
@@ -4875,7 +4875,7 @@
           <a:p>
             <a:fld id="{F8F0C872-22D6-426F-ABD9-855B6C52C387}" type="datetimeFigureOut">
               <a:rPr lang="en-IN" smtClean="0"/>
-              <a:t>05-08-2024</a:t>
+              <a:t>30-07-2024</a:t>
             </a:fld>
             <a:endParaRPr lang="en-IN"/>
           </a:p>
